--- a/Presentation Slides/Project Slides.pptx
+++ b/Presentation Slides/Project Slides.pptx
@@ -8712,7 +8712,17 @@
                 <a:latin typeface="Verdana" panose="020B0604030504040204" pitchFamily="34" charset="0"/>
                 <a:ea typeface="Verdana" panose="020B0604030504040204" pitchFamily="34" charset="0"/>
               </a:rPr>
-              <a:t>- Accuracy: 71.69%</a:t>
+              <a:t>- Accuracy: </a:t>
+            </a:r>
+            <a:r>
+              <a:rPr lang="en-US" sz="3600" dirty="0">
+                <a:solidFill>
+                  <a:schemeClr val="tx2"/>
+                </a:solidFill>
+                <a:latin typeface="Verdana" panose="020B0604030504040204" pitchFamily="34" charset="0"/>
+                <a:ea typeface="Verdana" panose="020B0604030504040204" pitchFamily="34" charset="0"/>
+              </a:rPr>
+              <a:t>71.69%</a:t>
             </a:r>
           </a:p>
           <a:p>
